--- a/img/smartcity/wireframes.pptx
+++ b/img/smartcity/wireframes.pptx
@@ -259,7 +259,7 @@
           <a:p>
             <a:fld id="{B1273017-A2CA-4DD5-AE9D-D0D2C5307C9A}" type="datetimeFigureOut">
               <a:rPr lang="en-US" smtClean="0"/>
-              <a:t>10/1/2019</a:t>
+              <a:t>10/3/2019</a:t>
             </a:fld>
             <a:endParaRPr lang="en-US"/>
           </a:p>
@@ -457,7 +457,7 @@
           <a:p>
             <a:fld id="{B1273017-A2CA-4DD5-AE9D-D0D2C5307C9A}" type="datetimeFigureOut">
               <a:rPr lang="en-US" smtClean="0"/>
-              <a:t>10/1/2019</a:t>
+              <a:t>10/3/2019</a:t>
             </a:fld>
             <a:endParaRPr lang="en-US"/>
           </a:p>
@@ -665,7 +665,7 @@
           <a:p>
             <a:fld id="{B1273017-A2CA-4DD5-AE9D-D0D2C5307C9A}" type="datetimeFigureOut">
               <a:rPr lang="en-US" smtClean="0"/>
-              <a:t>10/1/2019</a:t>
+              <a:t>10/3/2019</a:t>
             </a:fld>
             <a:endParaRPr lang="en-US"/>
           </a:p>
@@ -863,7 +863,7 @@
           <a:p>
             <a:fld id="{B1273017-A2CA-4DD5-AE9D-D0D2C5307C9A}" type="datetimeFigureOut">
               <a:rPr lang="en-US" smtClean="0"/>
-              <a:t>10/1/2019</a:t>
+              <a:t>10/3/2019</a:t>
             </a:fld>
             <a:endParaRPr lang="en-US"/>
           </a:p>
@@ -1138,7 +1138,7 @@
           <a:p>
             <a:fld id="{B1273017-A2CA-4DD5-AE9D-D0D2C5307C9A}" type="datetimeFigureOut">
               <a:rPr lang="en-US" smtClean="0"/>
-              <a:t>10/1/2019</a:t>
+              <a:t>10/3/2019</a:t>
             </a:fld>
             <a:endParaRPr lang="en-US"/>
           </a:p>
@@ -1403,7 +1403,7 @@
           <a:p>
             <a:fld id="{B1273017-A2CA-4DD5-AE9D-D0D2C5307C9A}" type="datetimeFigureOut">
               <a:rPr lang="en-US" smtClean="0"/>
-              <a:t>10/1/2019</a:t>
+              <a:t>10/3/2019</a:t>
             </a:fld>
             <a:endParaRPr lang="en-US"/>
           </a:p>
@@ -1815,7 +1815,7 @@
           <a:p>
             <a:fld id="{B1273017-A2CA-4DD5-AE9D-D0D2C5307C9A}" type="datetimeFigureOut">
               <a:rPr lang="en-US" smtClean="0"/>
-              <a:t>10/1/2019</a:t>
+              <a:t>10/3/2019</a:t>
             </a:fld>
             <a:endParaRPr lang="en-US"/>
           </a:p>
@@ -1956,7 +1956,7 @@
           <a:p>
             <a:fld id="{B1273017-A2CA-4DD5-AE9D-D0D2C5307C9A}" type="datetimeFigureOut">
               <a:rPr lang="en-US" smtClean="0"/>
-              <a:t>10/1/2019</a:t>
+              <a:t>10/3/2019</a:t>
             </a:fld>
             <a:endParaRPr lang="en-US"/>
           </a:p>
@@ -2069,7 +2069,7 @@
           <a:p>
             <a:fld id="{B1273017-A2CA-4DD5-AE9D-D0D2C5307C9A}" type="datetimeFigureOut">
               <a:rPr lang="en-US" smtClean="0"/>
-              <a:t>10/1/2019</a:t>
+              <a:t>10/3/2019</a:t>
             </a:fld>
             <a:endParaRPr lang="en-US"/>
           </a:p>
@@ -2380,7 +2380,7 @@
           <a:p>
             <a:fld id="{B1273017-A2CA-4DD5-AE9D-D0D2C5307C9A}" type="datetimeFigureOut">
               <a:rPr lang="en-US" smtClean="0"/>
-              <a:t>10/1/2019</a:t>
+              <a:t>10/3/2019</a:t>
             </a:fld>
             <a:endParaRPr lang="en-US"/>
           </a:p>
@@ -2668,7 +2668,7 @@
           <a:p>
             <a:fld id="{B1273017-A2CA-4DD5-AE9D-D0D2C5307C9A}" type="datetimeFigureOut">
               <a:rPr lang="en-US" smtClean="0"/>
-              <a:t>10/1/2019</a:t>
+              <a:t>10/3/2019</a:t>
             </a:fld>
             <a:endParaRPr lang="en-US"/>
           </a:p>
@@ -2909,7 +2909,7 @@
           <a:p>
             <a:fld id="{B1273017-A2CA-4DD5-AE9D-D0D2C5307C9A}" type="datetimeFigureOut">
               <a:rPr lang="en-US" smtClean="0"/>
-              <a:t>10/1/2019</a:t>
+              <a:t>10/3/2019</a:t>
             </a:fld>
             <a:endParaRPr lang="en-US"/>
           </a:p>
@@ -3340,7 +3340,7 @@
         </p:nvSpPr>
         <p:spPr>
           <a:xfrm>
-            <a:off x="1240178" y="926334"/>
+            <a:off x="1240178" y="833346"/>
             <a:ext cx="2184756" cy="4348416"/>
           </a:xfrm>
           <a:prstGeom prst="rect">
@@ -3398,10 +3398,10 @@
       </p:sp>
       <p:sp>
         <p:nvSpPr>
-          <p:cNvPr id="7" name="Rectangle 6">
-            <a:extLst>
-              <a:ext uri="{FF2B5EF4-FFF2-40B4-BE49-F238E27FC236}">
-                <a16:creationId xmlns:a16="http://schemas.microsoft.com/office/drawing/2014/main" id="{6A784783-D0ED-408A-A969-E3C70E523A0F}"/>
+          <p:cNvPr id="9" name="Rectangle 8">
+            <a:extLst>
+              <a:ext uri="{FF2B5EF4-FFF2-40B4-BE49-F238E27FC236}">
+                <a16:creationId xmlns:a16="http://schemas.microsoft.com/office/drawing/2014/main" id="{8E59B179-0257-495A-8FB4-525C1F198337}"/>
               </a:ext>
             </a:extLst>
           </p:cNvPr>
@@ -3410,68 +3410,7 @@
         </p:nvSpPr>
         <p:spPr>
           <a:xfrm>
-            <a:off x="8767062" y="912172"/>
-            <a:ext cx="2184756" cy="4362578"/>
-          </a:xfrm>
-          <a:prstGeom prst="rect">
-            <a:avLst/>
-          </a:prstGeom>
-          <a:solidFill>
-            <a:schemeClr val="bg1"/>
-          </a:solidFill>
-          <a:ln w="12700">
-            <a:solidFill>
-              <a:schemeClr val="bg2">
-                <a:lumMod val="50000"/>
-              </a:schemeClr>
-            </a:solidFill>
-          </a:ln>
-        </p:spPr>
-        <p:style>
-          <a:lnRef idx="2">
-            <a:schemeClr val="accent1">
-              <a:shade val="50000"/>
-            </a:schemeClr>
-          </a:lnRef>
-          <a:fillRef idx="1">
-            <a:schemeClr val="accent1"/>
-          </a:fillRef>
-          <a:effectRef idx="0">
-            <a:schemeClr val="accent1"/>
-          </a:effectRef>
-          <a:fontRef idx="minor">
-            <a:schemeClr val="lt1"/>
-          </a:fontRef>
-        </p:style>
-        <p:txBody>
-          <a:bodyPr rot="0" spcFirstLastPara="0" vertOverflow="overflow" horzOverflow="overflow" vert="horz" wrap="square" lIns="91440" tIns="45720" rIns="91440" bIns="45720" numCol="1" spcCol="0" rtlCol="0" fromWordArt="0" anchor="ctr" anchorCtr="0" forceAA="0" compatLnSpc="1">
-            <a:prstTxWarp prst="textNoShape">
-              <a:avLst/>
-            </a:prstTxWarp>
-            <a:noAutofit/>
-          </a:bodyPr>
-          <a:lstStyle/>
-          <a:p>
-            <a:pPr algn="ctr"/>
-            <a:endParaRPr lang="en-US" sz="2160"/>
-          </a:p>
-        </p:txBody>
-      </p:sp>
-      <p:sp>
-        <p:nvSpPr>
-          <p:cNvPr id="9" name="Rectangle 8">
-            <a:extLst>
-              <a:ext uri="{FF2B5EF4-FFF2-40B4-BE49-F238E27FC236}">
-                <a16:creationId xmlns:a16="http://schemas.microsoft.com/office/drawing/2014/main" id="{8E59B179-0257-495A-8FB4-525C1F198337}"/>
-              </a:ext>
-            </a:extLst>
-          </p:cNvPr>
-          <p:cNvSpPr/>
-          <p:nvPr/>
-        </p:nvSpPr>
-        <p:spPr>
-          <a:xfrm>
-            <a:off x="1240181" y="926335"/>
+            <a:off x="1240181" y="833347"/>
             <a:ext cx="2184755" cy="297456"/>
           </a:xfrm>
           <a:prstGeom prst="rect">
@@ -3530,7 +3469,7 @@
         </p:nvCxnSpPr>
         <p:spPr>
           <a:xfrm>
-            <a:off x="1326583" y="1026853"/>
+            <a:off x="1326583" y="933865"/>
             <a:ext cx="171585" cy="0"/>
           </a:xfrm>
           <a:prstGeom prst="line">
@@ -3573,7 +3512,7 @@
         </p:nvCxnSpPr>
         <p:spPr>
           <a:xfrm>
-            <a:off x="1326583" y="1069569"/>
+            <a:off x="1326583" y="976581"/>
             <a:ext cx="171585" cy="0"/>
           </a:xfrm>
           <a:prstGeom prst="line">
@@ -3616,7 +3555,7 @@
         </p:nvCxnSpPr>
         <p:spPr>
           <a:xfrm>
-            <a:off x="1326583" y="1112285"/>
+            <a:off x="1326583" y="1019297"/>
             <a:ext cx="171585" cy="0"/>
           </a:xfrm>
           <a:prstGeom prst="line">
@@ -3659,7 +3598,7 @@
         </p:nvSpPr>
         <p:spPr>
           <a:xfrm>
-            <a:off x="1326583" y="1287966"/>
+            <a:off x="1326583" y="1194978"/>
             <a:ext cx="1983582" cy="179832"/>
           </a:xfrm>
           <a:prstGeom prst="roundRect">
@@ -3719,7 +3658,7 @@
         </p:nvSpPr>
         <p:spPr>
           <a:xfrm>
-            <a:off x="1240177" y="1590437"/>
+            <a:off x="1240177" y="1497449"/>
             <a:ext cx="911747" cy="215444"/>
           </a:xfrm>
           <a:prstGeom prst="rect">
@@ -3754,7 +3693,7 @@
         </p:nvSpPr>
         <p:spPr>
           <a:xfrm>
-            <a:off x="1326583" y="1791629"/>
+            <a:off x="1326583" y="1698641"/>
             <a:ext cx="1983582" cy="1091184"/>
           </a:xfrm>
           <a:prstGeom prst="roundRect">
@@ -3808,7 +3747,7 @@
         </p:nvSpPr>
         <p:spPr>
           <a:xfrm>
-            <a:off x="1876682" y="2664100"/>
+            <a:off x="1876682" y="2571112"/>
             <a:ext cx="911747" cy="200055"/>
           </a:xfrm>
           <a:prstGeom prst="rect">
@@ -3844,7 +3783,7 @@
         </p:nvSpPr>
         <p:spPr>
           <a:xfrm>
-            <a:off x="1267609" y="3006589"/>
+            <a:off x="1267609" y="2913601"/>
             <a:ext cx="911747" cy="200055"/>
           </a:xfrm>
           <a:prstGeom prst="rect">
@@ -3879,7 +3818,7 @@
         </p:nvSpPr>
         <p:spPr>
           <a:xfrm>
-            <a:off x="2075198" y="3209545"/>
+            <a:off x="2075198" y="3116557"/>
             <a:ext cx="484631" cy="484631"/>
           </a:xfrm>
           <a:prstGeom prst="ellipse">
@@ -3933,7 +3872,7 @@
         </p:nvSpPr>
         <p:spPr>
           <a:xfrm>
-            <a:off x="1498168" y="3206644"/>
+            <a:off x="1498168" y="3113656"/>
             <a:ext cx="484631" cy="484631"/>
           </a:xfrm>
           <a:prstGeom prst="ellipse">
@@ -3987,7 +3926,7 @@
         </p:nvSpPr>
         <p:spPr>
           <a:xfrm>
-            <a:off x="2653948" y="3206643"/>
+            <a:off x="2653948" y="3113655"/>
             <a:ext cx="484631" cy="484631"/>
           </a:xfrm>
           <a:prstGeom prst="ellipse">
@@ -4041,7 +3980,7 @@
         </p:nvSpPr>
         <p:spPr>
           <a:xfrm>
-            <a:off x="1770032" y="3700852"/>
+            <a:off x="1770032" y="3607864"/>
             <a:ext cx="484631" cy="484631"/>
           </a:xfrm>
           <a:prstGeom prst="ellipse">
@@ -4095,7 +4034,7 @@
         </p:nvSpPr>
         <p:spPr>
           <a:xfrm>
-            <a:off x="2411632" y="3704626"/>
+            <a:off x="2411632" y="3611638"/>
             <a:ext cx="484631" cy="484631"/>
           </a:xfrm>
           <a:prstGeom prst="ellipse">
@@ -4149,7 +4088,7 @@
         </p:nvSpPr>
         <p:spPr>
           <a:xfrm>
-            <a:off x="1284609" y="4271030"/>
+            <a:off x="1284609" y="4178042"/>
             <a:ext cx="911747" cy="200055"/>
           </a:xfrm>
           <a:prstGeom prst="rect">
@@ -4184,7 +4123,7 @@
         </p:nvSpPr>
         <p:spPr>
           <a:xfrm>
-            <a:off x="1498168" y="4582224"/>
+            <a:off x="1498168" y="4489236"/>
             <a:ext cx="484631" cy="484631"/>
           </a:xfrm>
           <a:prstGeom prst="ellipse">
@@ -4238,7 +4177,7 @@
         </p:nvSpPr>
         <p:spPr>
           <a:xfrm>
-            <a:off x="2090239" y="4582225"/>
+            <a:off x="2090239" y="4489237"/>
             <a:ext cx="484631" cy="484631"/>
           </a:xfrm>
           <a:prstGeom prst="ellipse">
@@ -4292,7 +4231,7 @@
         </p:nvSpPr>
         <p:spPr>
           <a:xfrm>
-            <a:off x="2653948" y="4582223"/>
+            <a:off x="2653948" y="4489235"/>
             <a:ext cx="484631" cy="484631"/>
           </a:xfrm>
           <a:prstGeom prst="ellipse">
@@ -4346,7 +4285,7 @@
         </p:nvSpPr>
         <p:spPr>
           <a:xfrm>
-            <a:off x="1059366" y="373566"/>
+            <a:off x="1059366" y="280578"/>
             <a:ext cx="2542478" cy="297456"/>
           </a:xfrm>
           <a:prstGeom prst="roundRect">
@@ -4403,7 +4342,7 @@
         </p:nvSpPr>
         <p:spPr>
           <a:xfrm>
-            <a:off x="4824761" y="373566"/>
+            <a:off x="4824761" y="280578"/>
             <a:ext cx="2542478" cy="297456"/>
           </a:xfrm>
           <a:prstGeom prst="roundRect">
@@ -4460,7 +4399,7 @@
         </p:nvSpPr>
         <p:spPr>
           <a:xfrm>
-            <a:off x="8590156" y="373566"/>
+            <a:off x="8590156" y="280578"/>
             <a:ext cx="2542478" cy="297456"/>
           </a:xfrm>
           <a:prstGeom prst="roundRect">
@@ -4517,8 +4456,8 @@
         </p:nvSpPr>
         <p:spPr>
           <a:xfrm>
-            <a:off x="618892" y="5557954"/>
-            <a:ext cx="3423425" cy="1323439"/>
+            <a:off x="618892" y="5464966"/>
+            <a:ext cx="3423425" cy="1384995"/>
           </a:xfrm>
           <a:prstGeom prst="rect">
             <a:avLst/>
@@ -4532,7 +4471,7 @@
           <a:lstStyle/>
           <a:p>
             <a:r>
-              <a:rPr lang="en-US" sz="1600" dirty="0"/>
+              <a:rPr lang="en-US" sz="1400" dirty="0"/>
               <a:t>Feedback:</a:t>
             </a:r>
           </a:p>
@@ -4542,8 +4481,8 @@
               <a:buChar char="•"/>
             </a:pPr>
             <a:r>
-              <a:rPr lang="en-US" sz="1600" dirty="0"/>
-              <a:t>Users didn’t like the use of icons for resources</a:t>
+              <a:rPr lang="en-US" sz="1400" dirty="0"/>
+              <a:t>Users didn’t like the placement for resources</a:t>
             </a:r>
           </a:p>
           <a:p>
@@ -4552,8 +4491,18 @@
               <a:buChar char="•"/>
             </a:pPr>
             <a:r>
-              <a:rPr lang="en-US" sz="1600" dirty="0"/>
+              <a:rPr lang="en-US" sz="1400" dirty="0"/>
               <a:t>Quick chat is for emergencies, so it should be the first thing to see </a:t>
+            </a:r>
+          </a:p>
+          <a:p>
+            <a:pPr marL="285750" indent="-285750">
+              <a:buFont typeface="Arial" panose="020B0604020202020204" pitchFamily="34" charset="0"/>
+              <a:buChar char="•"/>
+            </a:pPr>
+            <a:r>
+              <a:rPr lang="en-US" sz="1400" dirty="0"/>
+              <a:t>Welcome message is unnecessary</a:t>
             </a:r>
           </a:p>
         </p:txBody>
@@ -4572,7 +4521,7 @@
         </p:nvSpPr>
         <p:spPr>
           <a:xfrm>
-            <a:off x="5003622" y="926334"/>
+            <a:off x="5003622" y="833346"/>
             <a:ext cx="2184756" cy="4348416"/>
           </a:xfrm>
           <a:prstGeom prst="rect">
@@ -4642,7 +4591,7 @@
         </p:nvSpPr>
         <p:spPr>
           <a:xfrm>
-            <a:off x="5003625" y="926335"/>
+            <a:off x="5003625" y="833347"/>
             <a:ext cx="2184755" cy="297456"/>
           </a:xfrm>
           <a:prstGeom prst="rect">
@@ -4701,7 +4650,7 @@
         </p:nvCxnSpPr>
         <p:spPr>
           <a:xfrm>
-            <a:off x="5090027" y="1026853"/>
+            <a:off x="5090027" y="933865"/>
             <a:ext cx="171585" cy="0"/>
           </a:xfrm>
           <a:prstGeom prst="line">
@@ -4744,7 +4693,7 @@
         </p:nvCxnSpPr>
         <p:spPr>
           <a:xfrm>
-            <a:off x="5090027" y="1069569"/>
+            <a:off x="5090027" y="976581"/>
             <a:ext cx="171585" cy="0"/>
           </a:xfrm>
           <a:prstGeom prst="line">
@@ -4787,7 +4736,7 @@
         </p:nvCxnSpPr>
         <p:spPr>
           <a:xfrm>
-            <a:off x="5090027" y="1112285"/>
+            <a:off x="5090027" y="1019297"/>
             <a:ext cx="171585" cy="0"/>
           </a:xfrm>
           <a:prstGeom prst="line">
@@ -4830,7 +4779,7 @@
         </p:nvSpPr>
         <p:spPr>
           <a:xfrm>
-            <a:off x="5090027" y="1287966"/>
+            <a:off x="5090027" y="1281829"/>
             <a:ext cx="1983582" cy="179832"/>
           </a:xfrm>
           <a:prstGeom prst="roundRect">
@@ -4890,7 +4839,7 @@
         </p:nvSpPr>
         <p:spPr>
           <a:xfrm>
-            <a:off x="5104209" y="2664100"/>
+            <a:off x="5104209" y="2571112"/>
             <a:ext cx="1983582" cy="1091184"/>
           </a:xfrm>
           <a:prstGeom prst="roundRect">
@@ -4944,7 +4893,7 @@
         </p:nvSpPr>
         <p:spPr>
           <a:xfrm>
-            <a:off x="5640126" y="3555229"/>
+            <a:off x="5640126" y="3462241"/>
             <a:ext cx="911747" cy="200055"/>
           </a:xfrm>
           <a:prstGeom prst="rect">
@@ -4980,7 +4929,7 @@
         </p:nvSpPr>
         <p:spPr>
           <a:xfrm>
-            <a:off x="5021125" y="1663934"/>
+            <a:off x="5021125" y="1615546"/>
             <a:ext cx="911747" cy="200055"/>
           </a:xfrm>
           <a:prstGeom prst="rect">
@@ -5015,7 +4964,7 @@
         </p:nvSpPr>
         <p:spPr>
           <a:xfrm>
-            <a:off x="5262499" y="1902726"/>
+            <a:off x="5262499" y="1854338"/>
             <a:ext cx="484631" cy="484631"/>
           </a:xfrm>
           <a:prstGeom prst="ellipse">
@@ -5069,7 +5018,7 @@
         </p:nvSpPr>
         <p:spPr>
           <a:xfrm>
-            <a:off x="5854570" y="1902727"/>
+            <a:off x="5854570" y="1854339"/>
             <a:ext cx="484631" cy="484631"/>
           </a:xfrm>
           <a:prstGeom prst="ellipse">
@@ -5123,7 +5072,7 @@
         </p:nvSpPr>
         <p:spPr>
           <a:xfrm>
-            <a:off x="6418279" y="1902725"/>
+            <a:off x="6418279" y="1854337"/>
             <a:ext cx="484631" cy="484631"/>
           </a:xfrm>
           <a:prstGeom prst="ellipse">
@@ -5177,7 +5126,7 @@
         </p:nvSpPr>
         <p:spPr>
           <a:xfrm>
-            <a:off x="5021124" y="3910568"/>
+            <a:off x="5021124" y="3817580"/>
             <a:ext cx="911747" cy="200055"/>
           </a:xfrm>
           <a:prstGeom prst="rect">
@@ -5212,7 +5161,7 @@
         </p:nvSpPr>
         <p:spPr>
           <a:xfrm>
-            <a:off x="5234681" y="4123619"/>
+            <a:off x="5262499" y="4030631"/>
             <a:ext cx="484631" cy="484631"/>
           </a:xfrm>
           <a:prstGeom prst="ellipse">
@@ -5266,7 +5215,7 @@
         </p:nvSpPr>
         <p:spPr>
           <a:xfrm>
-            <a:off x="5234681" y="4673776"/>
+            <a:off x="5854570" y="4030631"/>
             <a:ext cx="484631" cy="484631"/>
           </a:xfrm>
           <a:prstGeom prst="ellipse">
@@ -5308,10 +5257,669 @@
       </p:sp>
       <p:sp>
         <p:nvSpPr>
-          <p:cNvPr id="64" name="TextBox 63">
-            <a:extLst>
-              <a:ext uri="{FF2B5EF4-FFF2-40B4-BE49-F238E27FC236}">
-                <a16:creationId xmlns:a16="http://schemas.microsoft.com/office/drawing/2014/main" id="{0658B70E-9F7F-4940-AB49-DF1D5AE044E8}"/>
+          <p:cNvPr id="51" name="Oval 50">
+            <a:extLst>
+              <a:ext uri="{FF2B5EF4-FFF2-40B4-BE49-F238E27FC236}">
+                <a16:creationId xmlns:a16="http://schemas.microsoft.com/office/drawing/2014/main" id="{1B30A10A-CB49-4068-83FB-F4250C0CE28D}"/>
+              </a:ext>
+            </a:extLst>
+          </p:cNvPr>
+          <p:cNvSpPr/>
+          <p:nvPr/>
+        </p:nvSpPr>
+        <p:spPr>
+          <a:xfrm>
+            <a:off x="6418278" y="4035753"/>
+            <a:ext cx="484631" cy="484631"/>
+          </a:xfrm>
+          <a:prstGeom prst="ellipse">
+            <a:avLst/>
+          </a:prstGeom>
+          <a:solidFill>
+            <a:schemeClr val="bg2">
+              <a:lumMod val="90000"/>
+            </a:schemeClr>
+          </a:solidFill>
+          <a:ln>
+            <a:noFill/>
+          </a:ln>
+        </p:spPr>
+        <p:style>
+          <a:lnRef idx="2">
+            <a:schemeClr val="accent1">
+              <a:shade val="50000"/>
+            </a:schemeClr>
+          </a:lnRef>
+          <a:fillRef idx="1">
+            <a:schemeClr val="accent1"/>
+          </a:fillRef>
+          <a:effectRef idx="0">
+            <a:schemeClr val="accent1"/>
+          </a:effectRef>
+          <a:fontRef idx="minor">
+            <a:schemeClr val="lt1"/>
+          </a:fontRef>
+        </p:style>
+        <p:txBody>
+          <a:bodyPr rtlCol="0" anchor="ctr"/>
+          <a:lstStyle/>
+          <a:p>
+            <a:pPr algn="ctr"/>
+            <a:endParaRPr lang="en-US"/>
+          </a:p>
+        </p:txBody>
+      </p:sp>
+      <p:sp>
+        <p:nvSpPr>
+          <p:cNvPr id="52" name="Rectangle 51">
+            <a:extLst>
+              <a:ext uri="{FF2B5EF4-FFF2-40B4-BE49-F238E27FC236}">
+                <a16:creationId xmlns:a16="http://schemas.microsoft.com/office/drawing/2014/main" id="{D351CB08-2F48-49C3-8D35-A5E0880CED18}"/>
+              </a:ext>
+            </a:extLst>
+          </p:cNvPr>
+          <p:cNvSpPr/>
+          <p:nvPr/>
+        </p:nvSpPr>
+        <p:spPr>
+          <a:xfrm>
+            <a:off x="8767064" y="833345"/>
+            <a:ext cx="2184756" cy="4348416"/>
+          </a:xfrm>
+          <a:prstGeom prst="rect">
+            <a:avLst/>
+          </a:prstGeom>
+          <a:solidFill>
+            <a:schemeClr val="bg1">
+              <a:lumMod val="95000"/>
+            </a:schemeClr>
+          </a:solidFill>
+          <a:ln w="12700">
+            <a:solidFill>
+              <a:schemeClr val="bg2">
+                <a:lumMod val="50000"/>
+              </a:schemeClr>
+            </a:solidFill>
+          </a:ln>
+          <a:effectLst>
+            <a:outerShdw blurRad="215900" dist="88900" dir="3300000" algn="tl" rotWithShape="0">
+              <a:prstClr val="black">
+                <a:alpha val="32000"/>
+              </a:prstClr>
+            </a:outerShdw>
+          </a:effectLst>
+        </p:spPr>
+        <p:style>
+          <a:lnRef idx="2">
+            <a:schemeClr val="accent1">
+              <a:shade val="50000"/>
+            </a:schemeClr>
+          </a:lnRef>
+          <a:fillRef idx="1">
+            <a:schemeClr val="accent1"/>
+          </a:fillRef>
+          <a:effectRef idx="0">
+            <a:schemeClr val="accent1"/>
+          </a:effectRef>
+          <a:fontRef idx="minor">
+            <a:schemeClr val="lt1"/>
+          </a:fontRef>
+        </p:style>
+        <p:txBody>
+          <a:bodyPr rot="0" spcFirstLastPara="0" vertOverflow="overflow" horzOverflow="overflow" vert="horz" wrap="square" lIns="91440" tIns="45720" rIns="91440" bIns="45720" numCol="1" spcCol="0" rtlCol="0" fromWordArt="0" anchor="ctr" anchorCtr="0" forceAA="0" compatLnSpc="1">
+            <a:prstTxWarp prst="textNoShape">
+              <a:avLst/>
+            </a:prstTxWarp>
+            <a:noAutofit/>
+          </a:bodyPr>
+          <a:lstStyle/>
+          <a:p>
+            <a:pPr algn="ctr"/>
+            <a:endParaRPr lang="en-US" sz="2160" dirty="0"/>
+          </a:p>
+        </p:txBody>
+      </p:sp>
+      <p:sp>
+        <p:nvSpPr>
+          <p:cNvPr id="53" name="Rectangle 52">
+            <a:extLst>
+              <a:ext uri="{FF2B5EF4-FFF2-40B4-BE49-F238E27FC236}">
+                <a16:creationId xmlns:a16="http://schemas.microsoft.com/office/drawing/2014/main" id="{DDCCE94F-1905-4F95-BC70-4C82CDECB531}"/>
+              </a:ext>
+            </a:extLst>
+          </p:cNvPr>
+          <p:cNvSpPr/>
+          <p:nvPr/>
+        </p:nvSpPr>
+        <p:spPr>
+          <a:xfrm>
+            <a:off x="8767067" y="833346"/>
+            <a:ext cx="2184755" cy="297456"/>
+          </a:xfrm>
+          <a:prstGeom prst="rect">
+            <a:avLst/>
+          </a:prstGeom>
+          <a:solidFill>
+            <a:schemeClr val="bg1">
+              <a:lumMod val="85000"/>
+            </a:schemeClr>
+          </a:solidFill>
+          <a:ln>
+            <a:solidFill>
+              <a:schemeClr val="bg2">
+                <a:lumMod val="50000"/>
+              </a:schemeClr>
+            </a:solidFill>
+          </a:ln>
+          <a:effectLst/>
+        </p:spPr>
+        <p:style>
+          <a:lnRef idx="2">
+            <a:schemeClr val="accent1">
+              <a:shade val="50000"/>
+            </a:schemeClr>
+          </a:lnRef>
+          <a:fillRef idx="1">
+            <a:schemeClr val="accent1"/>
+          </a:fillRef>
+          <a:effectRef idx="0">
+            <a:schemeClr val="accent1"/>
+          </a:effectRef>
+          <a:fontRef idx="minor">
+            <a:schemeClr val="lt1"/>
+          </a:fontRef>
+        </p:style>
+        <p:txBody>
+          <a:bodyPr rtlCol="0" anchor="ctr"/>
+          <a:lstStyle/>
+          <a:p>
+            <a:pPr algn="ctr"/>
+            <a:endParaRPr lang="en-US"/>
+          </a:p>
+        </p:txBody>
+      </p:sp>
+      <p:sp>
+        <p:nvSpPr>
+          <p:cNvPr id="75" name="Oval 74">
+            <a:extLst>
+              <a:ext uri="{FF2B5EF4-FFF2-40B4-BE49-F238E27FC236}">
+                <a16:creationId xmlns:a16="http://schemas.microsoft.com/office/drawing/2014/main" id="{334BAE0B-205F-407C-8AC8-B19A2D950A53}"/>
+              </a:ext>
+            </a:extLst>
+          </p:cNvPr>
+          <p:cNvSpPr/>
+          <p:nvPr/>
+        </p:nvSpPr>
+        <p:spPr>
+          <a:xfrm>
+            <a:off x="9072675" y="5112982"/>
+            <a:ext cx="399992" cy="68779"/>
+          </a:xfrm>
+          <a:custGeom>
+            <a:avLst/>
+            <a:gdLst>
+              <a:gd name="connsiteX0" fmla="*/ 0 w 484631"/>
+              <a:gd name="connsiteY0" fmla="*/ 242316 h 484631"/>
+              <a:gd name="connsiteX1" fmla="*/ 242316 w 484631"/>
+              <a:gd name="connsiteY1" fmla="*/ 0 h 484631"/>
+              <a:gd name="connsiteX2" fmla="*/ 484632 w 484631"/>
+              <a:gd name="connsiteY2" fmla="*/ 242316 h 484631"/>
+              <a:gd name="connsiteX3" fmla="*/ 242316 w 484631"/>
+              <a:gd name="connsiteY3" fmla="*/ 484632 h 484631"/>
+              <a:gd name="connsiteX4" fmla="*/ 0 w 484631"/>
+              <a:gd name="connsiteY4" fmla="*/ 242316 h 484631"/>
+              <a:gd name="connsiteX0" fmla="*/ 0 w 484632"/>
+              <a:gd name="connsiteY0" fmla="*/ 242316 h 484639"/>
+              <a:gd name="connsiteX1" fmla="*/ 242316 w 484632"/>
+              <a:gd name="connsiteY1" fmla="*/ 0 h 484639"/>
+              <a:gd name="connsiteX2" fmla="*/ 484632 w 484632"/>
+              <a:gd name="connsiteY2" fmla="*/ 242316 h 484639"/>
+              <a:gd name="connsiteX3" fmla="*/ 242316 w 484632"/>
+              <a:gd name="connsiteY3" fmla="*/ 484632 h 484639"/>
+              <a:gd name="connsiteX4" fmla="*/ 0 w 484632"/>
+              <a:gd name="connsiteY4" fmla="*/ 242316 h 484639"/>
+              <a:gd name="connsiteX0" fmla="*/ 0 w 484632"/>
+              <a:gd name="connsiteY0" fmla="*/ 242316 h 304911"/>
+              <a:gd name="connsiteX1" fmla="*/ 242316 w 484632"/>
+              <a:gd name="connsiteY1" fmla="*/ 0 h 304911"/>
+              <a:gd name="connsiteX2" fmla="*/ 484632 w 484632"/>
+              <a:gd name="connsiteY2" fmla="*/ 242316 h 304911"/>
+              <a:gd name="connsiteX3" fmla="*/ 244432 w 484632"/>
+              <a:gd name="connsiteY3" fmla="*/ 252857 h 304911"/>
+              <a:gd name="connsiteX4" fmla="*/ 0 w 484632"/>
+              <a:gd name="connsiteY4" fmla="*/ 242316 h 304911"/>
+              <a:gd name="connsiteX0" fmla="*/ 0 w 484632"/>
+              <a:gd name="connsiteY0" fmla="*/ 242316 h 293489"/>
+              <a:gd name="connsiteX1" fmla="*/ 242316 w 484632"/>
+              <a:gd name="connsiteY1" fmla="*/ 0 h 293489"/>
+              <a:gd name="connsiteX2" fmla="*/ 484632 w 484632"/>
+              <a:gd name="connsiteY2" fmla="*/ 242316 h 293489"/>
+              <a:gd name="connsiteX3" fmla="*/ 244432 w 484632"/>
+              <a:gd name="connsiteY3" fmla="*/ 252857 h 293489"/>
+              <a:gd name="connsiteX4" fmla="*/ 0 w 484632"/>
+              <a:gd name="connsiteY4" fmla="*/ 242316 h 293489"/>
+              <a:gd name="connsiteX0" fmla="*/ 0 w 484632"/>
+              <a:gd name="connsiteY0" fmla="*/ 242316 h 305427"/>
+              <a:gd name="connsiteX1" fmla="*/ 242316 w 484632"/>
+              <a:gd name="connsiteY1" fmla="*/ 0 h 305427"/>
+              <a:gd name="connsiteX2" fmla="*/ 484632 w 484632"/>
+              <a:gd name="connsiteY2" fmla="*/ 242316 h 305427"/>
+              <a:gd name="connsiteX3" fmla="*/ 244432 w 484632"/>
+              <a:gd name="connsiteY3" fmla="*/ 252857 h 305427"/>
+              <a:gd name="connsiteX4" fmla="*/ 0 w 484632"/>
+              <a:gd name="connsiteY4" fmla="*/ 242316 h 305427"/>
+              <a:gd name="connsiteX0" fmla="*/ 87 w 484719"/>
+              <a:gd name="connsiteY0" fmla="*/ 242316 h 276311"/>
+              <a:gd name="connsiteX1" fmla="*/ 242403 w 484719"/>
+              <a:gd name="connsiteY1" fmla="*/ 0 h 276311"/>
+              <a:gd name="connsiteX2" fmla="*/ 484719 w 484719"/>
+              <a:gd name="connsiteY2" fmla="*/ 242316 h 276311"/>
+              <a:gd name="connsiteX3" fmla="*/ 236052 w 484719"/>
+              <a:gd name="connsiteY3" fmla="*/ 68707 h 276311"/>
+              <a:gd name="connsiteX4" fmla="*/ 87 w 484719"/>
+              <a:gd name="connsiteY4" fmla="*/ 242316 h 276311"/>
+              <a:gd name="connsiteX0" fmla="*/ 8 w 437015"/>
+              <a:gd name="connsiteY0" fmla="*/ 78445 h 283883"/>
+              <a:gd name="connsiteX1" fmla="*/ 194699 w 437015"/>
+              <a:gd name="connsiteY1" fmla="*/ 5462 h 283883"/>
+              <a:gd name="connsiteX2" fmla="*/ 437015 w 437015"/>
+              <a:gd name="connsiteY2" fmla="*/ 247778 h 283883"/>
+              <a:gd name="connsiteX3" fmla="*/ 188348 w 437015"/>
+              <a:gd name="connsiteY3" fmla="*/ 74169 h 283883"/>
+              <a:gd name="connsiteX4" fmla="*/ 8 w 437015"/>
+              <a:gd name="connsiteY4" fmla="*/ 78445 h 283883"/>
+              <a:gd name="connsiteX0" fmla="*/ 7 w 399972"/>
+              <a:gd name="connsiteY0" fmla="*/ 83009 h 147263"/>
+              <a:gd name="connsiteX1" fmla="*/ 194698 w 399972"/>
+              <a:gd name="connsiteY1" fmla="*/ 10026 h 147263"/>
+              <a:gd name="connsiteX2" fmla="*/ 399972 w 399972"/>
+              <a:gd name="connsiteY2" fmla="*/ 90417 h 147263"/>
+              <a:gd name="connsiteX3" fmla="*/ 188347 w 399972"/>
+              <a:gd name="connsiteY3" fmla="*/ 78733 h 147263"/>
+              <a:gd name="connsiteX4" fmla="*/ 7 w 399972"/>
+              <a:gd name="connsiteY4" fmla="*/ 83009 h 147263"/>
+              <a:gd name="connsiteX0" fmla="*/ 7 w 399977"/>
+              <a:gd name="connsiteY0" fmla="*/ 73001 h 137255"/>
+              <a:gd name="connsiteX1" fmla="*/ 194698 w 399977"/>
+              <a:gd name="connsiteY1" fmla="*/ 18 h 137255"/>
+              <a:gd name="connsiteX2" fmla="*/ 399972 w 399977"/>
+              <a:gd name="connsiteY2" fmla="*/ 80409 h 137255"/>
+              <a:gd name="connsiteX3" fmla="*/ 188347 w 399977"/>
+              <a:gd name="connsiteY3" fmla="*/ 68725 h 137255"/>
+              <a:gd name="connsiteX4" fmla="*/ 7 w 399977"/>
+              <a:gd name="connsiteY4" fmla="*/ 73001 h 137255"/>
+              <a:gd name="connsiteX0" fmla="*/ 7 w 399994"/>
+              <a:gd name="connsiteY0" fmla="*/ 73001 h 80424"/>
+              <a:gd name="connsiteX1" fmla="*/ 194698 w 399994"/>
+              <a:gd name="connsiteY1" fmla="*/ 18 h 80424"/>
+              <a:gd name="connsiteX2" fmla="*/ 399972 w 399994"/>
+              <a:gd name="connsiteY2" fmla="*/ 80409 h 80424"/>
+              <a:gd name="connsiteX3" fmla="*/ 188347 w 399994"/>
+              <a:gd name="connsiteY3" fmla="*/ 68725 h 80424"/>
+              <a:gd name="connsiteX4" fmla="*/ 7 w 399994"/>
+              <a:gd name="connsiteY4" fmla="*/ 73001 h 80424"/>
+              <a:gd name="connsiteX0" fmla="*/ 7 w 399994"/>
+              <a:gd name="connsiteY0" fmla="*/ 72996 h 77314"/>
+              <a:gd name="connsiteX1" fmla="*/ 194698 w 399994"/>
+              <a:gd name="connsiteY1" fmla="*/ 13 h 77314"/>
+              <a:gd name="connsiteX2" fmla="*/ 399972 w 399994"/>
+              <a:gd name="connsiteY2" fmla="*/ 67704 h 77314"/>
+              <a:gd name="connsiteX3" fmla="*/ 188347 w 399994"/>
+              <a:gd name="connsiteY3" fmla="*/ 68720 h 77314"/>
+              <a:gd name="connsiteX4" fmla="*/ 7 w 399994"/>
+              <a:gd name="connsiteY4" fmla="*/ 72996 h 77314"/>
+              <a:gd name="connsiteX0" fmla="*/ 7 w 399994"/>
+              <a:gd name="connsiteY0" fmla="*/ 62412 h 69529"/>
+              <a:gd name="connsiteX1" fmla="*/ 194698 w 399994"/>
+              <a:gd name="connsiteY1" fmla="*/ 12 h 69529"/>
+              <a:gd name="connsiteX2" fmla="*/ 399972 w 399994"/>
+              <a:gd name="connsiteY2" fmla="*/ 67703 h 69529"/>
+              <a:gd name="connsiteX3" fmla="*/ 188347 w 399994"/>
+              <a:gd name="connsiteY3" fmla="*/ 68719 h 69529"/>
+              <a:gd name="connsiteX4" fmla="*/ 7 w 399994"/>
+              <a:gd name="connsiteY4" fmla="*/ 62412 h 69529"/>
+              <a:gd name="connsiteX0" fmla="*/ 5 w 399992"/>
+              <a:gd name="connsiteY0" fmla="*/ 62412 h 69529"/>
+              <a:gd name="connsiteX1" fmla="*/ 193637 w 399992"/>
+              <a:gd name="connsiteY1" fmla="*/ 12 h 69529"/>
+              <a:gd name="connsiteX2" fmla="*/ 399970 w 399992"/>
+              <a:gd name="connsiteY2" fmla="*/ 67703 h 69529"/>
+              <a:gd name="connsiteX3" fmla="*/ 188345 w 399992"/>
+              <a:gd name="connsiteY3" fmla="*/ 68719 h 69529"/>
+              <a:gd name="connsiteX4" fmla="*/ 5 w 399992"/>
+              <a:gd name="connsiteY4" fmla="*/ 62412 h 69529"/>
+            </a:gdLst>
+            <a:ahLst/>
+            <a:cxnLst>
+              <a:cxn ang="0">
+                <a:pos x="connsiteX0" y="connsiteY0"/>
+              </a:cxn>
+              <a:cxn ang="0">
+                <a:pos x="connsiteX1" y="connsiteY1"/>
+              </a:cxn>
+              <a:cxn ang="0">
+                <a:pos x="connsiteX2" y="connsiteY2"/>
+              </a:cxn>
+              <a:cxn ang="0">
+                <a:pos x="connsiteX3" y="connsiteY3"/>
+              </a:cxn>
+              <a:cxn ang="0">
+                <a:pos x="connsiteX4" y="connsiteY4"/>
+              </a:cxn>
+            </a:cxnLst>
+            <a:rect l="l" t="t" r="r" b="b"/>
+            <a:pathLst>
+              <a:path w="399992" h="69529">
+                <a:moveTo>
+                  <a:pt x="5" y="62412"/>
+                </a:moveTo>
+                <a:cubicBezTo>
+                  <a:pt x="887" y="50961"/>
+                  <a:pt x="126976" y="-870"/>
+                  <a:pt x="193637" y="12"/>
+                </a:cubicBezTo>
+                <a:cubicBezTo>
+                  <a:pt x="260298" y="894"/>
+                  <a:pt x="401028" y="43942"/>
+                  <a:pt x="399970" y="67703"/>
+                </a:cubicBezTo>
+                <a:cubicBezTo>
+                  <a:pt x="402087" y="68180"/>
+                  <a:pt x="255006" y="69601"/>
+                  <a:pt x="188345" y="68719"/>
+                </a:cubicBezTo>
+                <a:cubicBezTo>
+                  <a:pt x="121684" y="67837"/>
+                  <a:pt x="-877" y="73863"/>
+                  <a:pt x="5" y="62412"/>
+                </a:cubicBezTo>
+                <a:close/>
+              </a:path>
+            </a:pathLst>
+          </a:custGeom>
+          <a:solidFill>
+            <a:schemeClr val="bg2">
+              <a:lumMod val="90000"/>
+            </a:schemeClr>
+          </a:solidFill>
+          <a:ln>
+            <a:noFill/>
+          </a:ln>
+        </p:spPr>
+        <p:style>
+          <a:lnRef idx="2">
+            <a:schemeClr val="accent1">
+              <a:shade val="50000"/>
+            </a:schemeClr>
+          </a:lnRef>
+          <a:fillRef idx="1">
+            <a:schemeClr val="accent1"/>
+          </a:fillRef>
+          <a:effectRef idx="0">
+            <a:schemeClr val="accent1"/>
+          </a:effectRef>
+          <a:fontRef idx="minor">
+            <a:schemeClr val="lt1"/>
+          </a:fontRef>
+        </p:style>
+        <p:txBody>
+          <a:bodyPr rtlCol="0" anchor="ctr"/>
+          <a:lstStyle/>
+          <a:p>
+            <a:pPr algn="ctr"/>
+            <a:endParaRPr lang="en-US" sz="500"/>
+          </a:p>
+        </p:txBody>
+      </p:sp>
+      <p:cxnSp>
+        <p:nvCxnSpPr>
+          <p:cNvPr id="54" name="Straight Connector 53">
+            <a:extLst>
+              <a:ext uri="{FF2B5EF4-FFF2-40B4-BE49-F238E27FC236}">
+                <a16:creationId xmlns:a16="http://schemas.microsoft.com/office/drawing/2014/main" id="{C6408FD8-4087-4D5E-9639-7C66C0818851}"/>
+              </a:ext>
+            </a:extLst>
+          </p:cNvPr>
+          <p:cNvCxnSpPr/>
+          <p:nvPr/>
+        </p:nvCxnSpPr>
+        <p:spPr>
+          <a:xfrm>
+            <a:off x="8853469" y="933864"/>
+            <a:ext cx="171585" cy="0"/>
+          </a:xfrm>
+          <a:prstGeom prst="line">
+            <a:avLst/>
+          </a:prstGeom>
+          <a:ln>
+            <a:solidFill>
+              <a:schemeClr val="bg2">
+                <a:lumMod val="50000"/>
+              </a:schemeClr>
+            </a:solidFill>
+          </a:ln>
+        </p:spPr>
+        <p:style>
+          <a:lnRef idx="1">
+            <a:schemeClr val="dk1"/>
+          </a:lnRef>
+          <a:fillRef idx="0">
+            <a:schemeClr val="dk1"/>
+          </a:fillRef>
+          <a:effectRef idx="0">
+            <a:schemeClr val="dk1"/>
+          </a:effectRef>
+          <a:fontRef idx="minor">
+            <a:schemeClr val="tx1"/>
+          </a:fontRef>
+        </p:style>
+      </p:cxnSp>
+      <p:cxnSp>
+        <p:nvCxnSpPr>
+          <p:cNvPr id="55" name="Straight Connector 54">
+            <a:extLst>
+              <a:ext uri="{FF2B5EF4-FFF2-40B4-BE49-F238E27FC236}">
+                <a16:creationId xmlns:a16="http://schemas.microsoft.com/office/drawing/2014/main" id="{D6A55DA7-11E0-4A50-9891-91DDD7A24659}"/>
+              </a:ext>
+            </a:extLst>
+          </p:cNvPr>
+          <p:cNvCxnSpPr/>
+          <p:nvPr/>
+        </p:nvCxnSpPr>
+        <p:spPr>
+          <a:xfrm>
+            <a:off x="8853469" y="976580"/>
+            <a:ext cx="171585" cy="0"/>
+          </a:xfrm>
+          <a:prstGeom prst="line">
+            <a:avLst/>
+          </a:prstGeom>
+          <a:ln>
+            <a:solidFill>
+              <a:schemeClr val="bg2">
+                <a:lumMod val="50000"/>
+              </a:schemeClr>
+            </a:solidFill>
+          </a:ln>
+        </p:spPr>
+        <p:style>
+          <a:lnRef idx="1">
+            <a:schemeClr val="dk1"/>
+          </a:lnRef>
+          <a:fillRef idx="0">
+            <a:schemeClr val="dk1"/>
+          </a:fillRef>
+          <a:effectRef idx="0">
+            <a:schemeClr val="dk1"/>
+          </a:effectRef>
+          <a:fontRef idx="minor">
+            <a:schemeClr val="tx1"/>
+          </a:fontRef>
+        </p:style>
+      </p:cxnSp>
+      <p:cxnSp>
+        <p:nvCxnSpPr>
+          <p:cNvPr id="56" name="Straight Connector 55">
+            <a:extLst>
+              <a:ext uri="{FF2B5EF4-FFF2-40B4-BE49-F238E27FC236}">
+                <a16:creationId xmlns:a16="http://schemas.microsoft.com/office/drawing/2014/main" id="{920D13EC-BE1C-4D2F-B977-26A9D9966600}"/>
+              </a:ext>
+            </a:extLst>
+          </p:cNvPr>
+          <p:cNvCxnSpPr/>
+          <p:nvPr/>
+        </p:nvCxnSpPr>
+        <p:spPr>
+          <a:xfrm>
+            <a:off x="8853469" y="1019296"/>
+            <a:ext cx="171585" cy="0"/>
+          </a:xfrm>
+          <a:prstGeom prst="line">
+            <a:avLst/>
+          </a:prstGeom>
+          <a:ln>
+            <a:solidFill>
+              <a:schemeClr val="bg2">
+                <a:lumMod val="50000"/>
+              </a:schemeClr>
+            </a:solidFill>
+          </a:ln>
+        </p:spPr>
+        <p:style>
+          <a:lnRef idx="1">
+            <a:schemeClr val="dk1"/>
+          </a:lnRef>
+          <a:fillRef idx="0">
+            <a:schemeClr val="dk1"/>
+          </a:fillRef>
+          <a:effectRef idx="0">
+            <a:schemeClr val="dk1"/>
+          </a:effectRef>
+          <a:fontRef idx="minor">
+            <a:schemeClr val="tx1"/>
+          </a:fontRef>
+        </p:style>
+      </p:cxnSp>
+      <p:sp>
+        <p:nvSpPr>
+          <p:cNvPr id="65" name="Rectangle: Rounded Corners 64">
+            <a:extLst>
+              <a:ext uri="{FF2B5EF4-FFF2-40B4-BE49-F238E27FC236}">
+                <a16:creationId xmlns:a16="http://schemas.microsoft.com/office/drawing/2014/main" id="{7FC8C63B-7456-4100-8485-18DAE5DF3B89}"/>
+              </a:ext>
+            </a:extLst>
+          </p:cNvPr>
+          <p:cNvSpPr/>
+          <p:nvPr/>
+        </p:nvSpPr>
+        <p:spPr>
+          <a:xfrm>
+            <a:off x="8853469" y="1281828"/>
+            <a:ext cx="1983582" cy="179832"/>
+          </a:xfrm>
+          <a:prstGeom prst="roundRect">
+            <a:avLst/>
+          </a:prstGeom>
+          <a:solidFill>
+            <a:schemeClr val="bg1">
+              <a:lumMod val="75000"/>
+            </a:schemeClr>
+          </a:solidFill>
+          <a:ln>
+            <a:noFill/>
+          </a:ln>
+        </p:spPr>
+        <p:style>
+          <a:lnRef idx="2">
+            <a:schemeClr val="accent1">
+              <a:shade val="50000"/>
+            </a:schemeClr>
+          </a:lnRef>
+          <a:fillRef idx="1">
+            <a:schemeClr val="accent1"/>
+          </a:fillRef>
+          <a:effectRef idx="0">
+            <a:schemeClr val="accent1"/>
+          </a:effectRef>
+          <a:fontRef idx="minor">
+            <a:schemeClr val="lt1"/>
+          </a:fontRef>
+        </p:style>
+        <p:txBody>
+          <a:bodyPr rtlCol="0" anchor="ctr"/>
+          <a:lstStyle/>
+          <a:p>
+            <a:r>
+              <a:rPr lang="en-US" sz="800" dirty="0">
+                <a:solidFill>
+                  <a:schemeClr val="tx1"/>
+                </a:solidFill>
+              </a:rPr>
+              <a:t>Alert</a:t>
+            </a:r>
+          </a:p>
+        </p:txBody>
+      </p:sp>
+      <p:sp>
+        <p:nvSpPr>
+          <p:cNvPr id="66" name="Rectangle: Rounded Corners 65">
+            <a:extLst>
+              <a:ext uri="{FF2B5EF4-FFF2-40B4-BE49-F238E27FC236}">
+                <a16:creationId xmlns:a16="http://schemas.microsoft.com/office/drawing/2014/main" id="{97A14D69-1B86-4E3A-9E1B-85429562D5EF}"/>
+              </a:ext>
+            </a:extLst>
+          </p:cNvPr>
+          <p:cNvSpPr/>
+          <p:nvPr/>
+        </p:nvSpPr>
+        <p:spPr>
+          <a:xfrm>
+            <a:off x="8867651" y="2571111"/>
+            <a:ext cx="1983582" cy="1091184"/>
+          </a:xfrm>
+          <a:prstGeom prst="roundRect">
+            <a:avLst/>
+          </a:prstGeom>
+          <a:solidFill>
+            <a:schemeClr val="bg2">
+              <a:lumMod val="90000"/>
+            </a:schemeClr>
+          </a:solidFill>
+          <a:ln>
+            <a:noFill/>
+          </a:ln>
+        </p:spPr>
+        <p:style>
+          <a:lnRef idx="2">
+            <a:schemeClr val="accent1">
+              <a:shade val="50000"/>
+            </a:schemeClr>
+          </a:lnRef>
+          <a:fillRef idx="1">
+            <a:schemeClr val="accent1"/>
+          </a:fillRef>
+          <a:effectRef idx="0">
+            <a:schemeClr val="accent1"/>
+          </a:effectRef>
+          <a:fontRef idx="minor">
+            <a:schemeClr val="lt1"/>
+          </a:fontRef>
+        </p:style>
+        <p:txBody>
+          <a:bodyPr rtlCol="0" anchor="ctr"/>
+          <a:lstStyle/>
+          <a:p>
+            <a:pPr algn="ctr"/>
+            <a:endParaRPr lang="en-US"/>
+          </a:p>
+        </p:txBody>
+      </p:sp>
+      <p:sp>
+        <p:nvSpPr>
+          <p:cNvPr id="67" name="TextBox 66">
+            <a:extLst>
+              <a:ext uri="{FF2B5EF4-FFF2-40B4-BE49-F238E27FC236}">
+                <a16:creationId xmlns:a16="http://schemas.microsoft.com/office/drawing/2014/main" id="{81EA582F-242C-4EB6-97E5-22DE437C8F69}"/>
               </a:ext>
             </a:extLst>
           </p:cNvPr>
@@ -5320,7 +5928,7 @@
         </p:nvSpPr>
         <p:spPr>
           <a:xfrm>
-            <a:off x="5640126" y="4246038"/>
+            <a:off x="9403568" y="3462240"/>
             <a:ext cx="911747" cy="200055"/>
           </a:xfrm>
           <a:prstGeom prst="rect">
@@ -5338,6 +5946,569 @@
             <a:r>
               <a:rPr lang="en-US" sz="700" dirty="0"/>
               <a:t>Your Energy Goals</a:t>
+            </a:r>
+          </a:p>
+        </p:txBody>
+      </p:sp>
+      <p:sp>
+        <p:nvSpPr>
+          <p:cNvPr id="68" name="TextBox 67">
+            <a:extLst>
+              <a:ext uri="{FF2B5EF4-FFF2-40B4-BE49-F238E27FC236}">
+                <a16:creationId xmlns:a16="http://schemas.microsoft.com/office/drawing/2014/main" id="{A85D1ED2-F2A0-4A7F-AE8E-6CAADFCF6D06}"/>
+              </a:ext>
+            </a:extLst>
+          </p:cNvPr>
+          <p:cNvSpPr txBox="1"/>
+          <p:nvPr/>
+        </p:nvSpPr>
+        <p:spPr>
+          <a:xfrm>
+            <a:off x="8784567" y="1615545"/>
+            <a:ext cx="911747" cy="200055"/>
+          </a:xfrm>
+          <a:prstGeom prst="rect">
+            <a:avLst/>
+          </a:prstGeom>
+          <a:noFill/>
+        </p:spPr>
+        <p:txBody>
+          <a:bodyPr wrap="square" rtlCol="0">
+            <a:spAutoFit/>
+          </a:bodyPr>
+          <a:lstStyle/>
+          <a:p>
+            <a:r>
+              <a:rPr lang="en-US" sz="700" dirty="0"/>
+              <a:t>Quick Chat</a:t>
+            </a:r>
+          </a:p>
+        </p:txBody>
+      </p:sp>
+      <p:sp>
+        <p:nvSpPr>
+          <p:cNvPr id="69" name="Oval 68">
+            <a:extLst>
+              <a:ext uri="{FF2B5EF4-FFF2-40B4-BE49-F238E27FC236}">
+                <a16:creationId xmlns:a16="http://schemas.microsoft.com/office/drawing/2014/main" id="{428FEF3D-6CCE-4D65-95F8-1B764189C336}"/>
+              </a:ext>
+            </a:extLst>
+          </p:cNvPr>
+          <p:cNvSpPr/>
+          <p:nvPr/>
+        </p:nvSpPr>
+        <p:spPr>
+          <a:xfrm>
+            <a:off x="9025941" y="1854337"/>
+            <a:ext cx="484631" cy="484631"/>
+          </a:xfrm>
+          <a:prstGeom prst="ellipse">
+            <a:avLst/>
+          </a:prstGeom>
+          <a:solidFill>
+            <a:schemeClr val="bg2">
+              <a:lumMod val="90000"/>
+            </a:schemeClr>
+          </a:solidFill>
+          <a:ln>
+            <a:noFill/>
+          </a:ln>
+        </p:spPr>
+        <p:style>
+          <a:lnRef idx="2">
+            <a:schemeClr val="accent1">
+              <a:shade val="50000"/>
+            </a:schemeClr>
+          </a:lnRef>
+          <a:fillRef idx="1">
+            <a:schemeClr val="accent1"/>
+          </a:fillRef>
+          <a:effectRef idx="0">
+            <a:schemeClr val="accent1"/>
+          </a:effectRef>
+          <a:fontRef idx="minor">
+            <a:schemeClr val="lt1"/>
+          </a:fontRef>
+        </p:style>
+        <p:txBody>
+          <a:bodyPr rtlCol="0" anchor="ctr"/>
+          <a:lstStyle/>
+          <a:p>
+            <a:pPr algn="ctr"/>
+            <a:endParaRPr lang="en-US"/>
+          </a:p>
+        </p:txBody>
+      </p:sp>
+      <p:sp>
+        <p:nvSpPr>
+          <p:cNvPr id="70" name="Oval 69">
+            <a:extLst>
+              <a:ext uri="{FF2B5EF4-FFF2-40B4-BE49-F238E27FC236}">
+                <a16:creationId xmlns:a16="http://schemas.microsoft.com/office/drawing/2014/main" id="{C32E398A-2E90-41E7-8D7B-DDC775348D9E}"/>
+              </a:ext>
+            </a:extLst>
+          </p:cNvPr>
+          <p:cNvSpPr/>
+          <p:nvPr/>
+        </p:nvSpPr>
+        <p:spPr>
+          <a:xfrm>
+            <a:off x="9618012" y="1854338"/>
+            <a:ext cx="484631" cy="484631"/>
+          </a:xfrm>
+          <a:prstGeom prst="ellipse">
+            <a:avLst/>
+          </a:prstGeom>
+          <a:solidFill>
+            <a:schemeClr val="bg2">
+              <a:lumMod val="90000"/>
+            </a:schemeClr>
+          </a:solidFill>
+          <a:ln>
+            <a:noFill/>
+          </a:ln>
+        </p:spPr>
+        <p:style>
+          <a:lnRef idx="2">
+            <a:schemeClr val="accent1">
+              <a:shade val="50000"/>
+            </a:schemeClr>
+          </a:lnRef>
+          <a:fillRef idx="1">
+            <a:schemeClr val="accent1"/>
+          </a:fillRef>
+          <a:effectRef idx="0">
+            <a:schemeClr val="accent1"/>
+          </a:effectRef>
+          <a:fontRef idx="minor">
+            <a:schemeClr val="lt1"/>
+          </a:fontRef>
+        </p:style>
+        <p:txBody>
+          <a:bodyPr rtlCol="0" anchor="ctr"/>
+          <a:lstStyle/>
+          <a:p>
+            <a:pPr algn="ctr"/>
+            <a:endParaRPr lang="en-US"/>
+          </a:p>
+        </p:txBody>
+      </p:sp>
+      <p:sp>
+        <p:nvSpPr>
+          <p:cNvPr id="71" name="Oval 70">
+            <a:extLst>
+              <a:ext uri="{FF2B5EF4-FFF2-40B4-BE49-F238E27FC236}">
+                <a16:creationId xmlns:a16="http://schemas.microsoft.com/office/drawing/2014/main" id="{F834008B-48C2-41DA-8CA3-F877C049FA3A}"/>
+              </a:ext>
+            </a:extLst>
+          </p:cNvPr>
+          <p:cNvSpPr/>
+          <p:nvPr/>
+        </p:nvSpPr>
+        <p:spPr>
+          <a:xfrm>
+            <a:off x="10181721" y="1854336"/>
+            <a:ext cx="484631" cy="484631"/>
+          </a:xfrm>
+          <a:prstGeom prst="ellipse">
+            <a:avLst/>
+          </a:prstGeom>
+          <a:solidFill>
+            <a:schemeClr val="bg2">
+              <a:lumMod val="90000"/>
+            </a:schemeClr>
+          </a:solidFill>
+          <a:ln>
+            <a:noFill/>
+          </a:ln>
+        </p:spPr>
+        <p:style>
+          <a:lnRef idx="2">
+            <a:schemeClr val="accent1">
+              <a:shade val="50000"/>
+            </a:schemeClr>
+          </a:lnRef>
+          <a:fillRef idx="1">
+            <a:schemeClr val="accent1"/>
+          </a:fillRef>
+          <a:effectRef idx="0">
+            <a:schemeClr val="accent1"/>
+          </a:effectRef>
+          <a:fontRef idx="minor">
+            <a:schemeClr val="lt1"/>
+          </a:fontRef>
+        </p:style>
+        <p:txBody>
+          <a:bodyPr rtlCol="0" anchor="ctr"/>
+          <a:lstStyle/>
+          <a:p>
+            <a:pPr algn="ctr"/>
+            <a:endParaRPr lang="en-US"/>
+          </a:p>
+        </p:txBody>
+      </p:sp>
+      <p:sp>
+        <p:nvSpPr>
+          <p:cNvPr id="72" name="TextBox 71">
+            <a:extLst>
+              <a:ext uri="{FF2B5EF4-FFF2-40B4-BE49-F238E27FC236}">
+                <a16:creationId xmlns:a16="http://schemas.microsoft.com/office/drawing/2014/main" id="{6B2154D0-8359-4234-A12C-010505D38C1A}"/>
+              </a:ext>
+            </a:extLst>
+          </p:cNvPr>
+          <p:cNvSpPr txBox="1"/>
+          <p:nvPr/>
+        </p:nvSpPr>
+        <p:spPr>
+          <a:xfrm>
+            <a:off x="8784566" y="3817579"/>
+            <a:ext cx="911747" cy="200055"/>
+          </a:xfrm>
+          <a:prstGeom prst="rect">
+            <a:avLst/>
+          </a:prstGeom>
+          <a:noFill/>
+        </p:spPr>
+        <p:txBody>
+          <a:bodyPr wrap="square" rtlCol="0">
+            <a:spAutoFit/>
+          </a:bodyPr>
+          <a:lstStyle/>
+          <a:p>
+            <a:r>
+              <a:rPr lang="en-US" sz="700" dirty="0"/>
+              <a:t>Resources</a:t>
+            </a:r>
+          </a:p>
+        </p:txBody>
+      </p:sp>
+      <p:sp>
+        <p:nvSpPr>
+          <p:cNvPr id="73" name="Oval 72">
+            <a:extLst>
+              <a:ext uri="{FF2B5EF4-FFF2-40B4-BE49-F238E27FC236}">
+                <a16:creationId xmlns:a16="http://schemas.microsoft.com/office/drawing/2014/main" id="{8FFE7C96-98D4-4573-BDBE-0B86A9D6B727}"/>
+              </a:ext>
+            </a:extLst>
+          </p:cNvPr>
+          <p:cNvSpPr/>
+          <p:nvPr/>
+        </p:nvSpPr>
+        <p:spPr>
+          <a:xfrm>
+            <a:off x="9025941" y="4030630"/>
+            <a:ext cx="484631" cy="484631"/>
+          </a:xfrm>
+          <a:prstGeom prst="ellipse">
+            <a:avLst/>
+          </a:prstGeom>
+          <a:solidFill>
+            <a:schemeClr val="bg2">
+              <a:lumMod val="90000"/>
+            </a:schemeClr>
+          </a:solidFill>
+          <a:ln>
+            <a:noFill/>
+          </a:ln>
+        </p:spPr>
+        <p:style>
+          <a:lnRef idx="2">
+            <a:schemeClr val="accent1">
+              <a:shade val="50000"/>
+            </a:schemeClr>
+          </a:lnRef>
+          <a:fillRef idx="1">
+            <a:schemeClr val="accent1"/>
+          </a:fillRef>
+          <a:effectRef idx="0">
+            <a:schemeClr val="accent1"/>
+          </a:effectRef>
+          <a:fontRef idx="minor">
+            <a:schemeClr val="lt1"/>
+          </a:fontRef>
+        </p:style>
+        <p:txBody>
+          <a:bodyPr rtlCol="0" anchor="ctr"/>
+          <a:lstStyle/>
+          <a:p>
+            <a:pPr algn="ctr"/>
+            <a:endParaRPr lang="en-US"/>
+          </a:p>
+        </p:txBody>
+      </p:sp>
+      <p:sp>
+        <p:nvSpPr>
+          <p:cNvPr id="74" name="Oval 73">
+            <a:extLst>
+              <a:ext uri="{FF2B5EF4-FFF2-40B4-BE49-F238E27FC236}">
+                <a16:creationId xmlns:a16="http://schemas.microsoft.com/office/drawing/2014/main" id="{EFA99074-5CF7-49D6-AE54-ED28AF92A3D9}"/>
+              </a:ext>
+            </a:extLst>
+          </p:cNvPr>
+          <p:cNvSpPr/>
+          <p:nvPr/>
+        </p:nvSpPr>
+        <p:spPr>
+          <a:xfrm>
+            <a:off x="9025054" y="4552099"/>
+            <a:ext cx="484631" cy="484631"/>
+          </a:xfrm>
+          <a:prstGeom prst="ellipse">
+            <a:avLst/>
+          </a:prstGeom>
+          <a:solidFill>
+            <a:schemeClr val="bg2">
+              <a:lumMod val="90000"/>
+            </a:schemeClr>
+          </a:solidFill>
+          <a:ln>
+            <a:noFill/>
+          </a:ln>
+        </p:spPr>
+        <p:style>
+          <a:lnRef idx="2">
+            <a:schemeClr val="accent1">
+              <a:shade val="50000"/>
+            </a:schemeClr>
+          </a:lnRef>
+          <a:fillRef idx="1">
+            <a:schemeClr val="accent1"/>
+          </a:fillRef>
+          <a:effectRef idx="0">
+            <a:schemeClr val="accent1"/>
+          </a:effectRef>
+          <a:fontRef idx="minor">
+            <a:schemeClr val="lt1"/>
+          </a:fontRef>
+        </p:style>
+        <p:txBody>
+          <a:bodyPr rtlCol="0" anchor="ctr"/>
+          <a:lstStyle/>
+          <a:p>
+            <a:pPr algn="ctr"/>
+            <a:endParaRPr lang="en-US"/>
+          </a:p>
+        </p:txBody>
+      </p:sp>
+      <p:sp>
+        <p:nvSpPr>
+          <p:cNvPr id="76" name="TextBox 75">
+            <a:extLst>
+              <a:ext uri="{FF2B5EF4-FFF2-40B4-BE49-F238E27FC236}">
+                <a16:creationId xmlns:a16="http://schemas.microsoft.com/office/drawing/2014/main" id="{32A57D5E-5F21-4067-AA7C-343E33C20AC0}"/>
+              </a:ext>
+            </a:extLst>
+          </p:cNvPr>
+          <p:cNvSpPr txBox="1"/>
+          <p:nvPr/>
+        </p:nvSpPr>
+        <p:spPr>
+          <a:xfrm>
+            <a:off x="4522505" y="5574438"/>
+            <a:ext cx="3423425" cy="738664"/>
+          </a:xfrm>
+          <a:prstGeom prst="rect">
+            <a:avLst/>
+          </a:prstGeom>
+          <a:noFill/>
+        </p:spPr>
+        <p:txBody>
+          <a:bodyPr wrap="square" rtlCol="0">
+            <a:spAutoFit/>
+          </a:bodyPr>
+          <a:lstStyle/>
+          <a:p>
+            <a:r>
+              <a:rPr lang="en-US" sz="1400" dirty="0"/>
+              <a:t>Feedback:</a:t>
+            </a:r>
+          </a:p>
+          <a:p>
+            <a:pPr marL="285750" indent="-285750">
+              <a:buFont typeface="Arial" panose="020B0604020202020204" pitchFamily="34" charset="0"/>
+              <a:buChar char="•"/>
+            </a:pPr>
+            <a:r>
+              <a:rPr lang="en-US" sz="1400" dirty="0"/>
+              <a:t>Resources still look strange—icons are hard to understand</a:t>
+            </a:r>
+          </a:p>
+        </p:txBody>
+      </p:sp>
+      <p:sp>
+        <p:nvSpPr>
+          <p:cNvPr id="77" name="Oval 76">
+            <a:extLst>
+              <a:ext uri="{FF2B5EF4-FFF2-40B4-BE49-F238E27FC236}">
+                <a16:creationId xmlns:a16="http://schemas.microsoft.com/office/drawing/2014/main" id="{049D9786-4C58-49C7-A96C-23F36EB665D0}"/>
+              </a:ext>
+            </a:extLst>
+          </p:cNvPr>
+          <p:cNvSpPr/>
+          <p:nvPr/>
+        </p:nvSpPr>
+        <p:spPr>
+          <a:xfrm>
+            <a:off x="5569101" y="4502378"/>
+            <a:ext cx="484631" cy="484631"/>
+          </a:xfrm>
+          <a:prstGeom prst="ellipse">
+            <a:avLst/>
+          </a:prstGeom>
+          <a:solidFill>
+            <a:schemeClr val="bg2">
+              <a:lumMod val="90000"/>
+            </a:schemeClr>
+          </a:solidFill>
+          <a:ln>
+            <a:noFill/>
+          </a:ln>
+        </p:spPr>
+        <p:style>
+          <a:lnRef idx="2">
+            <a:schemeClr val="accent1">
+              <a:shade val="50000"/>
+            </a:schemeClr>
+          </a:lnRef>
+          <a:fillRef idx="1">
+            <a:schemeClr val="accent1"/>
+          </a:fillRef>
+          <a:effectRef idx="0">
+            <a:schemeClr val="accent1"/>
+          </a:effectRef>
+          <a:fontRef idx="minor">
+            <a:schemeClr val="lt1"/>
+          </a:fontRef>
+        </p:style>
+        <p:txBody>
+          <a:bodyPr rtlCol="0" anchor="ctr"/>
+          <a:lstStyle/>
+          <a:p>
+            <a:pPr algn="ctr"/>
+            <a:endParaRPr lang="en-US"/>
+          </a:p>
+        </p:txBody>
+      </p:sp>
+      <p:sp>
+        <p:nvSpPr>
+          <p:cNvPr id="78" name="Oval 77">
+            <a:extLst>
+              <a:ext uri="{FF2B5EF4-FFF2-40B4-BE49-F238E27FC236}">
+                <a16:creationId xmlns:a16="http://schemas.microsoft.com/office/drawing/2014/main" id="{DBD0CEC3-AA23-4847-99C7-45D122864303}"/>
+              </a:ext>
+            </a:extLst>
+          </p:cNvPr>
+          <p:cNvSpPr/>
+          <p:nvPr/>
+        </p:nvSpPr>
+        <p:spPr>
+          <a:xfrm>
+            <a:off x="6155661" y="4512867"/>
+            <a:ext cx="484631" cy="484631"/>
+          </a:xfrm>
+          <a:prstGeom prst="ellipse">
+            <a:avLst/>
+          </a:prstGeom>
+          <a:solidFill>
+            <a:schemeClr val="bg2">
+              <a:lumMod val="90000"/>
+            </a:schemeClr>
+          </a:solidFill>
+          <a:ln>
+            <a:noFill/>
+          </a:ln>
+        </p:spPr>
+        <p:style>
+          <a:lnRef idx="2">
+            <a:schemeClr val="accent1">
+              <a:shade val="50000"/>
+            </a:schemeClr>
+          </a:lnRef>
+          <a:fillRef idx="1">
+            <a:schemeClr val="accent1"/>
+          </a:fillRef>
+          <a:effectRef idx="0">
+            <a:schemeClr val="accent1"/>
+          </a:effectRef>
+          <a:fontRef idx="minor">
+            <a:schemeClr val="lt1"/>
+          </a:fontRef>
+        </p:style>
+        <p:txBody>
+          <a:bodyPr rtlCol="0" anchor="ctr"/>
+          <a:lstStyle/>
+          <a:p>
+            <a:pPr algn="ctr"/>
+            <a:endParaRPr lang="en-US"/>
+          </a:p>
+        </p:txBody>
+      </p:sp>
+      <p:sp>
+        <p:nvSpPr>
+          <p:cNvPr id="80" name="TextBox 79">
+            <a:extLst>
+              <a:ext uri="{FF2B5EF4-FFF2-40B4-BE49-F238E27FC236}">
+                <a16:creationId xmlns:a16="http://schemas.microsoft.com/office/drawing/2014/main" id="{23BF2D28-4AB8-4FA3-878B-27FEA9475476}"/>
+              </a:ext>
+            </a:extLst>
+          </p:cNvPr>
+          <p:cNvSpPr txBox="1"/>
+          <p:nvPr/>
+        </p:nvSpPr>
+        <p:spPr>
+          <a:xfrm>
+            <a:off x="9463181" y="4167876"/>
+            <a:ext cx="764156" cy="200055"/>
+          </a:xfrm>
+          <a:prstGeom prst="rect">
+            <a:avLst/>
+          </a:prstGeom>
+          <a:noFill/>
+        </p:spPr>
+        <p:txBody>
+          <a:bodyPr wrap="square" rtlCol="0">
+            <a:spAutoFit/>
+          </a:bodyPr>
+          <a:lstStyle/>
+          <a:p>
+            <a:r>
+              <a:rPr lang="en-US" sz="700" dirty="0"/>
+              <a:t>Health Care</a:t>
+            </a:r>
+          </a:p>
+        </p:txBody>
+      </p:sp>
+      <p:sp>
+        <p:nvSpPr>
+          <p:cNvPr id="81" name="TextBox 80">
+            <a:extLst>
+              <a:ext uri="{FF2B5EF4-FFF2-40B4-BE49-F238E27FC236}">
+                <a16:creationId xmlns:a16="http://schemas.microsoft.com/office/drawing/2014/main" id="{226FBA43-1E87-437B-8BD0-24BF54DBFC12}"/>
+              </a:ext>
+            </a:extLst>
+          </p:cNvPr>
+          <p:cNvSpPr txBox="1"/>
+          <p:nvPr/>
+        </p:nvSpPr>
+        <p:spPr>
+          <a:xfrm>
+            <a:off x="9471031" y="4655154"/>
+            <a:ext cx="764156" cy="200055"/>
+          </a:xfrm>
+          <a:prstGeom prst="rect">
+            <a:avLst/>
+          </a:prstGeom>
+          <a:noFill/>
+        </p:spPr>
+        <p:txBody>
+          <a:bodyPr wrap="square" rtlCol="0">
+            <a:spAutoFit/>
+          </a:bodyPr>
+          <a:lstStyle/>
+          <a:p>
+            <a:r>
+              <a:rPr lang="en-US" sz="700" dirty="0"/>
+              <a:t>Public Safety</a:t>
             </a:r>
           </a:p>
         </p:txBody>
